--- a/Lab/프레젠테이션1.pptx
+++ b/Lab/프레젠테이션1.pptx
@@ -112,6 +112,11 @@
       </a:defRPr>
     </a:lvl9pPr>
   </p:defaultTextStyle>
+  <p:extLst>
+    <p:ext uri="{EFAFB233-063F-42B5-8137-9DF3F51BA10A}">
+      <p15:sldGuideLst xmlns:p15="http://schemas.microsoft.com/office/powerpoint/2012/main"/>
+    </p:ext>
+  </p:extLst>
 </p:presentation>
 </file>
 
@@ -197,7 +202,7 @@
           <a:p>
             <a:fld id="{96C28ECB-6338-4400-A532-DF6E63D88E5E}" type="datetimeFigureOut">
               <a:rPr lang="ko-KR" altLang="en-US" smtClean="0"/>
-              <a:t>2023-12-12</a:t>
+              <a:t>2023-12-19</a:t>
             </a:fld>
             <a:endParaRPr lang="ko-KR" altLang="en-US"/>
           </a:p>
@@ -998,7 +1003,7 @@
           <a:p>
             <a:fld id="{DEAE59BE-E017-472F-ADF4-0A623EB6E7FA}" type="datetimeFigureOut">
               <a:rPr lang="ko-KR" altLang="en-US" smtClean="0"/>
-              <a:t>2023-12-12</a:t>
+              <a:t>2023-12-19</a:t>
             </a:fld>
             <a:endParaRPr lang="ko-KR" altLang="en-US"/>
           </a:p>
@@ -1196,7 +1201,7 @@
           <a:p>
             <a:fld id="{DEAE59BE-E017-472F-ADF4-0A623EB6E7FA}" type="datetimeFigureOut">
               <a:rPr lang="ko-KR" altLang="en-US" smtClean="0"/>
-              <a:t>2023-12-12</a:t>
+              <a:t>2023-12-19</a:t>
             </a:fld>
             <a:endParaRPr lang="ko-KR" altLang="en-US"/>
           </a:p>
@@ -1404,7 +1409,7 @@
           <a:p>
             <a:fld id="{DEAE59BE-E017-472F-ADF4-0A623EB6E7FA}" type="datetimeFigureOut">
               <a:rPr lang="ko-KR" altLang="en-US" smtClean="0"/>
-              <a:t>2023-12-12</a:t>
+              <a:t>2023-12-19</a:t>
             </a:fld>
             <a:endParaRPr lang="ko-KR" altLang="en-US"/>
           </a:p>
@@ -1602,7 +1607,7 @@
           <a:p>
             <a:fld id="{DEAE59BE-E017-472F-ADF4-0A623EB6E7FA}" type="datetimeFigureOut">
               <a:rPr lang="ko-KR" altLang="en-US" smtClean="0"/>
-              <a:t>2023-12-12</a:t>
+              <a:t>2023-12-19</a:t>
             </a:fld>
             <a:endParaRPr lang="ko-KR" altLang="en-US"/>
           </a:p>
@@ -1877,7 +1882,7 @@
           <a:p>
             <a:fld id="{DEAE59BE-E017-472F-ADF4-0A623EB6E7FA}" type="datetimeFigureOut">
               <a:rPr lang="ko-KR" altLang="en-US" smtClean="0"/>
-              <a:t>2023-12-12</a:t>
+              <a:t>2023-12-19</a:t>
             </a:fld>
             <a:endParaRPr lang="ko-KR" altLang="en-US"/>
           </a:p>
@@ -2142,7 +2147,7 @@
           <a:p>
             <a:fld id="{DEAE59BE-E017-472F-ADF4-0A623EB6E7FA}" type="datetimeFigureOut">
               <a:rPr lang="ko-KR" altLang="en-US" smtClean="0"/>
-              <a:t>2023-12-12</a:t>
+              <a:t>2023-12-19</a:t>
             </a:fld>
             <a:endParaRPr lang="ko-KR" altLang="en-US"/>
           </a:p>
@@ -2554,7 +2559,7 @@
           <a:p>
             <a:fld id="{DEAE59BE-E017-472F-ADF4-0A623EB6E7FA}" type="datetimeFigureOut">
               <a:rPr lang="ko-KR" altLang="en-US" smtClean="0"/>
-              <a:t>2023-12-12</a:t>
+              <a:t>2023-12-19</a:t>
             </a:fld>
             <a:endParaRPr lang="ko-KR" altLang="en-US"/>
           </a:p>
@@ -2695,7 +2700,7 @@
           <a:p>
             <a:fld id="{DEAE59BE-E017-472F-ADF4-0A623EB6E7FA}" type="datetimeFigureOut">
               <a:rPr lang="ko-KR" altLang="en-US" smtClean="0"/>
-              <a:t>2023-12-12</a:t>
+              <a:t>2023-12-19</a:t>
             </a:fld>
             <a:endParaRPr lang="ko-KR" altLang="en-US"/>
           </a:p>
@@ -2808,7 +2813,7 @@
           <a:p>
             <a:fld id="{DEAE59BE-E017-472F-ADF4-0A623EB6E7FA}" type="datetimeFigureOut">
               <a:rPr lang="ko-KR" altLang="en-US" smtClean="0"/>
-              <a:t>2023-12-12</a:t>
+              <a:t>2023-12-19</a:t>
             </a:fld>
             <a:endParaRPr lang="ko-KR" altLang="en-US"/>
           </a:p>
@@ -3119,7 +3124,7 @@
           <a:p>
             <a:fld id="{DEAE59BE-E017-472F-ADF4-0A623EB6E7FA}" type="datetimeFigureOut">
               <a:rPr lang="ko-KR" altLang="en-US" smtClean="0"/>
-              <a:t>2023-12-12</a:t>
+              <a:t>2023-12-19</a:t>
             </a:fld>
             <a:endParaRPr lang="ko-KR" altLang="en-US"/>
           </a:p>
@@ -3407,7 +3412,7 @@
           <a:p>
             <a:fld id="{DEAE59BE-E017-472F-ADF4-0A623EB6E7FA}" type="datetimeFigureOut">
               <a:rPr lang="ko-KR" altLang="en-US" smtClean="0"/>
-              <a:t>2023-12-12</a:t>
+              <a:t>2023-12-19</a:t>
             </a:fld>
             <a:endParaRPr lang="ko-KR" altLang="en-US"/>
           </a:p>
@@ -3648,7 +3653,7 @@
           <a:p>
             <a:fld id="{DEAE59BE-E017-472F-ADF4-0A623EB6E7FA}" type="datetimeFigureOut">
               <a:rPr lang="ko-KR" altLang="en-US" smtClean="0"/>
-              <a:t>2023-12-12</a:t>
+              <a:t>2023-12-19</a:t>
             </a:fld>
             <a:endParaRPr lang="ko-KR" altLang="en-US"/>
           </a:p>
@@ -4137,8 +4142,8 @@
         </p:blipFill>
         <p:spPr>
           <a:xfrm>
-            <a:off x="3305175" y="1138237"/>
-            <a:ext cx="5581650" cy="4581525"/>
+            <a:off x="1190625" y="280987"/>
+            <a:ext cx="7710488" cy="6328916"/>
           </a:xfrm>
           <a:prstGeom prst="rect">
             <a:avLst/>
@@ -4247,8 +4252,8 @@
         </p:blipFill>
         <p:spPr>
           <a:xfrm>
-            <a:off x="3071812" y="828675"/>
-            <a:ext cx="6048375" cy="5200650"/>
+            <a:off x="671512" y="114299"/>
+            <a:ext cx="7418306" cy="6378575"/>
           </a:xfrm>
           <a:prstGeom prst="rect">
             <a:avLst/>
@@ -4357,8 +4362,8 @@
         </p:blipFill>
         <p:spPr>
           <a:xfrm>
-            <a:off x="3609975" y="890587"/>
-            <a:ext cx="4972050" cy="5076825"/>
+            <a:off x="838200" y="161924"/>
+            <a:ext cx="6491288" cy="6628078"/>
           </a:xfrm>
           <a:prstGeom prst="rect">
             <a:avLst/>
@@ -4395,56 +4400,6 @@
           <a:chExt cx="0" cy="0"/>
         </a:xfrm>
       </p:grpSpPr>
-      <p:sp>
-        <p:nvSpPr>
-          <p:cNvPr id="2" name="제목 1">
-            <a:extLst>
-              <a:ext uri="{FF2B5EF4-FFF2-40B4-BE49-F238E27FC236}">
-                <a16:creationId xmlns:a16="http://schemas.microsoft.com/office/drawing/2014/main" id="{51919EA1-426D-68E1-BBC3-8B3EA7DCB6CB}"/>
-              </a:ext>
-            </a:extLst>
-          </p:cNvPr>
-          <p:cNvSpPr>
-            <a:spLocks noGrp="1"/>
-          </p:cNvSpPr>
-          <p:nvPr>
-            <p:ph type="title"/>
-          </p:nvPr>
-        </p:nvSpPr>
-        <p:spPr/>
-        <p:txBody>
-          <a:bodyPr/>
-          <a:lstStyle/>
-          <a:p>
-            <a:endParaRPr lang="ko-KR" altLang="en-US"/>
-          </a:p>
-        </p:txBody>
-      </p:sp>
-      <p:sp>
-        <p:nvSpPr>
-          <p:cNvPr id="3" name="내용 개체 틀 2">
-            <a:extLst>
-              <a:ext uri="{FF2B5EF4-FFF2-40B4-BE49-F238E27FC236}">
-                <a16:creationId xmlns:a16="http://schemas.microsoft.com/office/drawing/2014/main" id="{2B75F51C-B796-FB9A-E8EC-B6AC2B66E505}"/>
-              </a:ext>
-            </a:extLst>
-          </p:cNvPr>
-          <p:cNvSpPr>
-            <a:spLocks noGrp="1"/>
-          </p:cNvSpPr>
-          <p:nvPr>
-            <p:ph idx="1"/>
-          </p:nvPr>
-        </p:nvSpPr>
-        <p:spPr/>
-        <p:txBody>
-          <a:bodyPr/>
-          <a:lstStyle/>
-          <a:p>
-            <a:endParaRPr lang="ko-KR" altLang="en-US"/>
-          </a:p>
-        </p:txBody>
-      </p:sp>
       <p:pic>
         <p:nvPicPr>
           <p:cNvPr id="5" name="그림 4">
@@ -4467,8 +4422,8 @@
         </p:blipFill>
         <p:spPr>
           <a:xfrm>
-            <a:off x="3919537" y="1581150"/>
-            <a:ext cx="4352925" cy="3695700"/>
+            <a:off x="2395537" y="600075"/>
+            <a:ext cx="6568654" cy="5576888"/>
           </a:xfrm>
           <a:prstGeom prst="rect">
             <a:avLst/>
